--- a/talks/ZI Conference Talk.pptx
+++ b/talks/ZI Conference Talk.pptx
@@ -12,7 +12,7 @@
     <p:sldId id="458" r:id="rId3"/>
     <p:sldId id="471" r:id="rId4"/>
     <p:sldId id="472" r:id="rId5"/>
-    <p:sldId id="475" r:id="rId6"/>
+    <p:sldId id="492" r:id="rId6"/>
     <p:sldId id="473" r:id="rId7"/>
     <p:sldId id="474" r:id="rId8"/>
     <p:sldId id="476" r:id="rId9"/>
@@ -216,7 +216,7 @@
           <a:p>
             <a:fld id="{44EF98E7-3C6E-427C-A0E4-7DAEF63E99C9}" type="datetimeFigureOut">
               <a:rPr lang="en-US" smtClean="0"/>
-              <a:t>10/22/2021</a:t>
+              <a:t>10/23/2021</a:t>
             </a:fld>
             <a:endParaRPr lang="en-US"/>
           </a:p>
@@ -1178,7 +1178,7 @@
           <a:p>
             <a:fld id="{AB3D36F5-83E9-41B9-BB61-7AB66EA280A1}" type="datetimeFigureOut">
               <a:rPr lang="en-US" smtClean="0"/>
-              <a:t>10/22/2021</a:t>
+              <a:t>10/23/2021</a:t>
             </a:fld>
             <a:endParaRPr lang="en-US"/>
           </a:p>
@@ -1376,7 +1376,7 @@
           <a:p>
             <a:fld id="{AB3D36F5-83E9-41B9-BB61-7AB66EA280A1}" type="datetimeFigureOut">
               <a:rPr lang="en-US" smtClean="0"/>
-              <a:t>10/22/2021</a:t>
+              <a:t>10/23/2021</a:t>
             </a:fld>
             <a:endParaRPr lang="en-US"/>
           </a:p>
@@ -1584,7 +1584,7 @@
           <a:p>
             <a:fld id="{AB3D36F5-83E9-41B9-BB61-7AB66EA280A1}" type="datetimeFigureOut">
               <a:rPr lang="en-US" smtClean="0"/>
-              <a:t>10/22/2021</a:t>
+              <a:t>10/23/2021</a:t>
             </a:fld>
             <a:endParaRPr lang="en-US"/>
           </a:p>
@@ -1782,7 +1782,7 @@
           <a:p>
             <a:fld id="{AB3D36F5-83E9-41B9-BB61-7AB66EA280A1}" type="datetimeFigureOut">
               <a:rPr lang="en-US" smtClean="0"/>
-              <a:t>10/22/2021</a:t>
+              <a:t>10/23/2021</a:t>
             </a:fld>
             <a:endParaRPr lang="en-US"/>
           </a:p>
@@ -2057,7 +2057,7 @@
           <a:p>
             <a:fld id="{AB3D36F5-83E9-41B9-BB61-7AB66EA280A1}" type="datetimeFigureOut">
               <a:rPr lang="en-US" smtClean="0"/>
-              <a:t>10/22/2021</a:t>
+              <a:t>10/23/2021</a:t>
             </a:fld>
             <a:endParaRPr lang="en-US"/>
           </a:p>
@@ -2322,7 +2322,7 @@
           <a:p>
             <a:fld id="{AB3D36F5-83E9-41B9-BB61-7AB66EA280A1}" type="datetimeFigureOut">
               <a:rPr lang="en-US" smtClean="0"/>
-              <a:t>10/22/2021</a:t>
+              <a:t>10/23/2021</a:t>
             </a:fld>
             <a:endParaRPr lang="en-US"/>
           </a:p>
@@ -2734,7 +2734,7 @@
           <a:p>
             <a:fld id="{AB3D36F5-83E9-41B9-BB61-7AB66EA280A1}" type="datetimeFigureOut">
               <a:rPr lang="en-US" smtClean="0"/>
-              <a:t>10/22/2021</a:t>
+              <a:t>10/23/2021</a:t>
             </a:fld>
             <a:endParaRPr lang="en-US"/>
           </a:p>
@@ -2875,7 +2875,7 @@
           <a:p>
             <a:fld id="{AB3D36F5-83E9-41B9-BB61-7AB66EA280A1}" type="datetimeFigureOut">
               <a:rPr lang="en-US" smtClean="0"/>
-              <a:t>10/22/2021</a:t>
+              <a:t>10/23/2021</a:t>
             </a:fld>
             <a:endParaRPr lang="en-US"/>
           </a:p>
@@ -2988,7 +2988,7 @@
           <a:p>
             <a:fld id="{AB3D36F5-83E9-41B9-BB61-7AB66EA280A1}" type="datetimeFigureOut">
               <a:rPr lang="en-US" smtClean="0"/>
-              <a:t>10/22/2021</a:t>
+              <a:t>10/23/2021</a:t>
             </a:fld>
             <a:endParaRPr lang="en-US"/>
           </a:p>
@@ -3299,7 +3299,7 @@
           <a:p>
             <a:fld id="{AB3D36F5-83E9-41B9-BB61-7AB66EA280A1}" type="datetimeFigureOut">
               <a:rPr lang="en-US" smtClean="0"/>
-              <a:t>10/22/2021</a:t>
+              <a:t>10/23/2021</a:t>
             </a:fld>
             <a:endParaRPr lang="en-US"/>
           </a:p>
@@ -3587,7 +3587,7 @@
           <a:p>
             <a:fld id="{AB3D36F5-83E9-41B9-BB61-7AB66EA280A1}" type="datetimeFigureOut">
               <a:rPr lang="en-US" smtClean="0"/>
-              <a:t>10/22/2021</a:t>
+              <a:t>10/23/2021</a:t>
             </a:fld>
             <a:endParaRPr lang="en-US"/>
           </a:p>
@@ -3828,7 +3828,7 @@
           <a:p>
             <a:fld id="{AB3D36F5-83E9-41B9-BB61-7AB66EA280A1}" type="datetimeFigureOut">
               <a:rPr lang="en-US" smtClean="0"/>
-              <a:t>10/22/2021</a:t>
+              <a:t>10/23/2021</a:t>
             </a:fld>
             <a:endParaRPr lang="en-US"/>
           </a:p>
@@ -16633,12 +16633,870 @@
           <a:chExt cx="0" cy="0"/>
         </a:xfrm>
       </p:grpSpPr>
+      <p:grpSp>
+        <p:nvGrpSpPr>
+          <p:cNvPr id="6" name="Group 5">
+            <a:extLst>
+              <a:ext uri="{FF2B5EF4-FFF2-40B4-BE49-F238E27FC236}">
+                <a16:creationId xmlns:a16="http://schemas.microsoft.com/office/drawing/2014/main" id="{593DEEFF-FAC9-477C-A1A2-C3E032794411}"/>
+              </a:ext>
+            </a:extLst>
+          </p:cNvPr>
+          <p:cNvGrpSpPr/>
+          <p:nvPr/>
+        </p:nvGrpSpPr>
+        <p:grpSpPr>
+          <a:xfrm>
+            <a:off x="1933519" y="945353"/>
+            <a:ext cx="2453640" cy="369332"/>
+            <a:chOff x="7528560" y="1239758"/>
+            <a:chExt cx="2453640" cy="369332"/>
+          </a:xfrm>
+        </p:grpSpPr>
+        <p:sp>
+          <p:nvSpPr>
+            <p:cNvPr id="4" name="Rectangle 3">
+              <a:extLst>
+                <a:ext uri="{FF2B5EF4-FFF2-40B4-BE49-F238E27FC236}">
+                  <a16:creationId xmlns:a16="http://schemas.microsoft.com/office/drawing/2014/main" id="{89C0C209-D3D0-42D5-A0B0-2B735BE5382D}"/>
+                </a:ext>
+              </a:extLst>
+            </p:cNvPr>
+            <p:cNvSpPr/>
+            <p:nvPr/>
+          </p:nvSpPr>
+          <p:spPr>
+            <a:xfrm>
+              <a:off x="7559040" y="1292860"/>
+              <a:ext cx="2423160" cy="285750"/>
+            </a:xfrm>
+            <a:prstGeom prst="rect">
+              <a:avLst/>
+            </a:prstGeom>
+            <a:noFill/>
+            <a:ln w="38100"/>
+          </p:spPr>
+          <p:style>
+            <a:lnRef idx="2">
+              <a:schemeClr val="accent1">
+                <a:shade val="50000"/>
+              </a:schemeClr>
+            </a:lnRef>
+            <a:fillRef idx="1">
+              <a:schemeClr val="accent1"/>
+            </a:fillRef>
+            <a:effectRef idx="0">
+              <a:schemeClr val="accent1"/>
+            </a:effectRef>
+            <a:fontRef idx="minor">
+              <a:schemeClr val="lt1"/>
+            </a:fontRef>
+          </p:style>
+          <p:txBody>
+            <a:bodyPr rtlCol="0" anchor="ctr"/>
+            <a:lstStyle/>
+            <a:p>
+              <a:pPr algn="ctr"/>
+              <a:endParaRPr lang="en-US"/>
+            </a:p>
+          </p:txBody>
+        </p:sp>
+        <p:sp>
+          <p:nvSpPr>
+            <p:cNvPr id="5" name="TextBox 4">
+              <a:extLst>
+                <a:ext uri="{FF2B5EF4-FFF2-40B4-BE49-F238E27FC236}">
+                  <a16:creationId xmlns:a16="http://schemas.microsoft.com/office/drawing/2014/main" id="{2C074526-AC2E-4913-B0FA-83BE60979225}"/>
+                </a:ext>
+              </a:extLst>
+            </p:cNvPr>
+            <p:cNvSpPr txBox="1"/>
+            <p:nvPr/>
+          </p:nvSpPr>
+          <p:spPr>
+            <a:xfrm>
+              <a:off x="7528560" y="1239758"/>
+              <a:ext cx="1584216" cy="369332"/>
+            </a:xfrm>
+            <a:prstGeom prst="rect">
+              <a:avLst/>
+            </a:prstGeom>
+            <a:noFill/>
+          </p:spPr>
+          <p:txBody>
+            <a:bodyPr wrap="none" rtlCol="0">
+              <a:spAutoFit/>
+            </a:bodyPr>
+            <a:lstStyle/>
+            <a:p>
+              <a:r>
+                <a:rPr lang="en-US" dirty="0"/>
+                <a:t>Trial Loop: trial</a:t>
+              </a:r>
+            </a:p>
+          </p:txBody>
+        </p:sp>
+      </p:grpSp>
+      <p:grpSp>
+        <p:nvGrpSpPr>
+          <p:cNvPr id="7" name="Group 6">
+            <a:extLst>
+              <a:ext uri="{FF2B5EF4-FFF2-40B4-BE49-F238E27FC236}">
+                <a16:creationId xmlns:a16="http://schemas.microsoft.com/office/drawing/2014/main" id="{BB9BB44B-2D47-456B-AB05-A15BACC41D60}"/>
+              </a:ext>
+            </a:extLst>
+          </p:cNvPr>
+          <p:cNvGrpSpPr/>
+          <p:nvPr/>
+        </p:nvGrpSpPr>
+        <p:grpSpPr>
+          <a:xfrm>
+            <a:off x="2393736" y="1363858"/>
+            <a:ext cx="2633664" cy="369332"/>
+            <a:chOff x="7528560" y="1239758"/>
+            <a:chExt cx="2453640" cy="369332"/>
+          </a:xfrm>
+          <a:solidFill>
+            <a:schemeClr val="accent2">
+              <a:lumMod val="20000"/>
+              <a:lumOff val="80000"/>
+            </a:schemeClr>
+          </a:solidFill>
+        </p:grpSpPr>
+        <p:sp>
+          <p:nvSpPr>
+            <p:cNvPr id="8" name="Rectangle 7">
+              <a:extLst>
+                <a:ext uri="{FF2B5EF4-FFF2-40B4-BE49-F238E27FC236}">
+                  <a16:creationId xmlns:a16="http://schemas.microsoft.com/office/drawing/2014/main" id="{9390EAA1-73DC-4C24-91DA-A4674963A81D}"/>
+                </a:ext>
+              </a:extLst>
+            </p:cNvPr>
+            <p:cNvSpPr/>
+            <p:nvPr/>
+          </p:nvSpPr>
+          <p:spPr>
+            <a:xfrm>
+              <a:off x="7559040" y="1292860"/>
+              <a:ext cx="2423160" cy="285750"/>
+            </a:xfrm>
+            <a:prstGeom prst="rect">
+              <a:avLst/>
+            </a:prstGeom>
+            <a:grpFill/>
+            <a:ln w="38100">
+              <a:solidFill>
+                <a:schemeClr val="accent2">
+                  <a:lumMod val="20000"/>
+                  <a:lumOff val="80000"/>
+                </a:schemeClr>
+              </a:solidFill>
+            </a:ln>
+          </p:spPr>
+          <p:style>
+            <a:lnRef idx="2">
+              <a:schemeClr val="accent1">
+                <a:shade val="50000"/>
+              </a:schemeClr>
+            </a:lnRef>
+            <a:fillRef idx="1">
+              <a:schemeClr val="accent1"/>
+            </a:fillRef>
+            <a:effectRef idx="0">
+              <a:schemeClr val="accent1"/>
+            </a:effectRef>
+            <a:fontRef idx="minor">
+              <a:schemeClr val="lt1"/>
+            </a:fontRef>
+          </p:style>
+          <p:txBody>
+            <a:bodyPr rtlCol="0" anchor="ctr"/>
+            <a:lstStyle/>
+            <a:p>
+              <a:pPr algn="ctr"/>
+              <a:endParaRPr lang="en-US"/>
+            </a:p>
+          </p:txBody>
+        </p:sp>
+        <p:sp>
+          <p:nvSpPr>
+            <p:cNvPr id="9" name="TextBox 8">
+              <a:extLst>
+                <a:ext uri="{FF2B5EF4-FFF2-40B4-BE49-F238E27FC236}">
+                  <a16:creationId xmlns:a16="http://schemas.microsoft.com/office/drawing/2014/main" id="{8A54348F-FA0A-4976-882E-A3D5B61339C7}"/>
+                </a:ext>
+              </a:extLst>
+            </p:cNvPr>
+            <p:cNvSpPr txBox="1"/>
+            <p:nvPr/>
+          </p:nvSpPr>
+          <p:spPr>
+            <a:xfrm>
+              <a:off x="7528560" y="1239758"/>
+              <a:ext cx="2453586" cy="369332"/>
+            </a:xfrm>
+            <a:prstGeom prst="rect">
+              <a:avLst/>
+            </a:prstGeom>
+            <a:grpFill/>
+            <a:ln>
+              <a:solidFill>
+                <a:schemeClr val="accent2">
+                  <a:lumMod val="20000"/>
+                  <a:lumOff val="80000"/>
+                </a:schemeClr>
+              </a:solidFill>
+            </a:ln>
+          </p:spPr>
+          <p:txBody>
+            <a:bodyPr wrap="none" rtlCol="0">
+              <a:spAutoFit/>
+            </a:bodyPr>
+            <a:lstStyle/>
+            <a:p>
+              <a:r>
+                <a:rPr lang="en-US" dirty="0" err="1"/>
+                <a:t>make_agents</a:t>
+              </a:r>
+              <a:r>
+                <a:rPr lang="en-US" dirty="0"/>
+                <a:t> -&gt; </a:t>
+              </a:r>
+              <a:r>
+                <a:rPr lang="en-US" dirty="0" err="1"/>
+                <a:t>agent_list</a:t>
+              </a:r>
+              <a:endParaRPr lang="en-US" dirty="0"/>
+            </a:p>
+          </p:txBody>
+        </p:sp>
+      </p:grpSp>
+      <p:grpSp>
+        <p:nvGrpSpPr>
+          <p:cNvPr id="10" name="Group 9">
+            <a:extLst>
+              <a:ext uri="{FF2B5EF4-FFF2-40B4-BE49-F238E27FC236}">
+                <a16:creationId xmlns:a16="http://schemas.microsoft.com/office/drawing/2014/main" id="{3093DD6E-8A6A-4250-8D2F-957B8363A829}"/>
+              </a:ext>
+            </a:extLst>
+          </p:cNvPr>
+          <p:cNvGrpSpPr/>
+          <p:nvPr/>
+        </p:nvGrpSpPr>
+        <p:grpSpPr>
+          <a:xfrm>
+            <a:off x="2393736" y="1782363"/>
+            <a:ext cx="2633663" cy="369332"/>
+            <a:chOff x="7528560" y="1239758"/>
+            <a:chExt cx="2453640" cy="369332"/>
+          </a:xfrm>
+        </p:grpSpPr>
+        <p:sp>
+          <p:nvSpPr>
+            <p:cNvPr id="11" name="Rectangle 10">
+              <a:extLst>
+                <a:ext uri="{FF2B5EF4-FFF2-40B4-BE49-F238E27FC236}">
+                  <a16:creationId xmlns:a16="http://schemas.microsoft.com/office/drawing/2014/main" id="{9987E350-CB12-4654-9874-028B5361A3E1}"/>
+                </a:ext>
+              </a:extLst>
+            </p:cNvPr>
+            <p:cNvSpPr/>
+            <p:nvPr/>
+          </p:nvSpPr>
+          <p:spPr>
+            <a:xfrm>
+              <a:off x="7559040" y="1292860"/>
+              <a:ext cx="2423160" cy="285750"/>
+            </a:xfrm>
+            <a:prstGeom prst="rect">
+              <a:avLst/>
+            </a:prstGeom>
+            <a:noFill/>
+            <a:ln w="38100"/>
+          </p:spPr>
+          <p:style>
+            <a:lnRef idx="2">
+              <a:schemeClr val="accent1">
+                <a:shade val="50000"/>
+              </a:schemeClr>
+            </a:lnRef>
+            <a:fillRef idx="1">
+              <a:schemeClr val="accent1"/>
+            </a:fillRef>
+            <a:effectRef idx="0">
+              <a:schemeClr val="accent1"/>
+            </a:effectRef>
+            <a:fontRef idx="minor">
+              <a:schemeClr val="lt1"/>
+            </a:fontRef>
+          </p:style>
+          <p:txBody>
+            <a:bodyPr rtlCol="0" anchor="ctr"/>
+            <a:lstStyle/>
+            <a:p>
+              <a:pPr algn="ctr"/>
+              <a:endParaRPr lang="en-US"/>
+            </a:p>
+          </p:txBody>
+        </p:sp>
+        <p:sp>
+          <p:nvSpPr>
+            <p:cNvPr id="12" name="TextBox 11">
+              <a:extLst>
+                <a:ext uri="{FF2B5EF4-FFF2-40B4-BE49-F238E27FC236}">
+                  <a16:creationId xmlns:a16="http://schemas.microsoft.com/office/drawing/2014/main" id="{8A977011-5A49-4522-B4A8-5F048E6D07B7}"/>
+                </a:ext>
+              </a:extLst>
+            </p:cNvPr>
+            <p:cNvSpPr txBox="1"/>
+            <p:nvPr/>
+          </p:nvSpPr>
+          <p:spPr>
+            <a:xfrm>
+              <a:off x="7528560" y="1239758"/>
+              <a:ext cx="1719895" cy="369332"/>
+            </a:xfrm>
+            <a:prstGeom prst="rect">
+              <a:avLst/>
+            </a:prstGeom>
+            <a:noFill/>
+          </p:spPr>
+          <p:txBody>
+            <a:bodyPr wrap="none" rtlCol="0">
+              <a:spAutoFit/>
+            </a:bodyPr>
+            <a:lstStyle/>
+            <a:p>
+              <a:r>
+                <a:rPr lang="en-US" dirty="0"/>
+                <a:t>Week Loop: week</a:t>
+              </a:r>
+            </a:p>
+          </p:txBody>
+        </p:sp>
+      </p:grpSp>
+      <p:grpSp>
+        <p:nvGrpSpPr>
+          <p:cNvPr id="13" name="Group 12">
+            <a:extLst>
+              <a:ext uri="{FF2B5EF4-FFF2-40B4-BE49-F238E27FC236}">
+                <a16:creationId xmlns:a16="http://schemas.microsoft.com/office/drawing/2014/main" id="{6604B887-6A62-4569-84E1-F2F6FCDBBB8F}"/>
+              </a:ext>
+            </a:extLst>
+          </p:cNvPr>
+          <p:cNvGrpSpPr/>
+          <p:nvPr/>
+        </p:nvGrpSpPr>
+        <p:grpSpPr>
+          <a:xfrm>
+            <a:off x="3010027" y="2607054"/>
+            <a:ext cx="2633663" cy="369332"/>
+            <a:chOff x="7528560" y="1239758"/>
+            <a:chExt cx="2453640" cy="369332"/>
+          </a:xfrm>
+        </p:grpSpPr>
+        <p:sp>
+          <p:nvSpPr>
+            <p:cNvPr id="14" name="Rectangle 13">
+              <a:extLst>
+                <a:ext uri="{FF2B5EF4-FFF2-40B4-BE49-F238E27FC236}">
+                  <a16:creationId xmlns:a16="http://schemas.microsoft.com/office/drawing/2014/main" id="{90F0C12B-116E-44B6-A4AB-C0AEB409BAE6}"/>
+                </a:ext>
+              </a:extLst>
+            </p:cNvPr>
+            <p:cNvSpPr/>
+            <p:nvPr/>
+          </p:nvSpPr>
+          <p:spPr>
+            <a:xfrm>
+              <a:off x="7559040" y="1292860"/>
+              <a:ext cx="2423160" cy="285750"/>
+            </a:xfrm>
+            <a:prstGeom prst="rect">
+              <a:avLst/>
+            </a:prstGeom>
+            <a:noFill/>
+            <a:ln w="38100"/>
+          </p:spPr>
+          <p:style>
+            <a:lnRef idx="2">
+              <a:schemeClr val="accent1">
+                <a:shade val="50000"/>
+              </a:schemeClr>
+            </a:lnRef>
+            <a:fillRef idx="1">
+              <a:schemeClr val="accent1"/>
+            </a:fillRef>
+            <a:effectRef idx="0">
+              <a:schemeClr val="accent1"/>
+            </a:effectRef>
+            <a:fontRef idx="minor">
+              <a:schemeClr val="lt1"/>
+            </a:fontRef>
+          </p:style>
+          <p:txBody>
+            <a:bodyPr rtlCol="0" anchor="ctr"/>
+            <a:lstStyle/>
+            <a:p>
+              <a:pPr algn="ctr"/>
+              <a:endParaRPr lang="en-US"/>
+            </a:p>
+          </p:txBody>
+        </p:sp>
+        <p:sp>
+          <p:nvSpPr>
+            <p:cNvPr id="15" name="TextBox 14">
+              <a:extLst>
+                <a:ext uri="{FF2B5EF4-FFF2-40B4-BE49-F238E27FC236}">
+                  <a16:creationId xmlns:a16="http://schemas.microsoft.com/office/drawing/2014/main" id="{F923D9BA-CEBF-414C-9D87-42441196B6DB}"/>
+                </a:ext>
+              </a:extLst>
+            </p:cNvPr>
+            <p:cNvSpPr txBox="1"/>
+            <p:nvPr/>
+          </p:nvSpPr>
+          <p:spPr>
+            <a:xfrm>
+              <a:off x="7528560" y="1239758"/>
+              <a:ext cx="1897135" cy="369332"/>
+            </a:xfrm>
+            <a:prstGeom prst="rect">
+              <a:avLst/>
+            </a:prstGeom>
+            <a:noFill/>
+          </p:spPr>
+          <p:txBody>
+            <a:bodyPr wrap="none" rtlCol="0">
+              <a:spAutoFit/>
+            </a:bodyPr>
+            <a:lstStyle/>
+            <a:p>
+              <a:r>
+                <a:rPr lang="en-US" dirty="0"/>
+                <a:t>Period Loop: period</a:t>
+              </a:r>
+            </a:p>
+          </p:txBody>
+        </p:sp>
+      </p:grpSp>
+      <p:sp>
+        <p:nvSpPr>
+          <p:cNvPr id="16" name="TextBox 15">
+            <a:extLst>
+              <a:ext uri="{FF2B5EF4-FFF2-40B4-BE49-F238E27FC236}">
+                <a16:creationId xmlns:a16="http://schemas.microsoft.com/office/drawing/2014/main" id="{38A3EFEB-69BF-4DF7-A67B-A3469084797B}"/>
+              </a:ext>
+            </a:extLst>
+          </p:cNvPr>
+          <p:cNvSpPr txBox="1"/>
+          <p:nvPr/>
+        </p:nvSpPr>
+        <p:spPr>
+          <a:xfrm>
+            <a:off x="3575377" y="3039762"/>
+            <a:ext cx="3619004" cy="923330"/>
+          </a:xfrm>
+          <a:prstGeom prst="rect">
+            <a:avLst/>
+          </a:prstGeom>
+          <a:solidFill>
+            <a:schemeClr val="accent5">
+              <a:lumMod val="20000"/>
+              <a:lumOff val="80000"/>
+            </a:schemeClr>
+          </a:solidFill>
+          <a:ln>
+            <a:solidFill>
+              <a:schemeClr val="accent2">
+                <a:lumMod val="20000"/>
+                <a:lumOff val="80000"/>
+              </a:schemeClr>
+            </a:solidFill>
+          </a:ln>
+        </p:spPr>
+        <p:txBody>
+          <a:bodyPr wrap="none" rtlCol="0">
+            <a:spAutoFit/>
+          </a:bodyPr>
+          <a:lstStyle/>
+          <a:p>
+            <a:r>
+              <a:rPr lang="en-US" u="sng" dirty="0"/>
+              <a:t>Travel Institution</a:t>
+            </a:r>
+            <a:r>
+              <a:rPr lang="en-US" dirty="0"/>
+              <a:t> -&gt; grid</a:t>
+            </a:r>
+            <a:endParaRPr lang="en-US" u="sng" dirty="0"/>
+          </a:p>
+          <a:p>
+            <a:r>
+              <a:rPr lang="en-US" dirty="0"/>
+              <a:t>for agent in </a:t>
+            </a:r>
+            <a:r>
+              <a:rPr lang="en-US" dirty="0" err="1"/>
+              <a:t>agent_list</a:t>
+            </a:r>
+            <a:r>
+              <a:rPr lang="en-US" dirty="0"/>
+              <a:t>:</a:t>
+            </a:r>
+          </a:p>
+          <a:p>
+            <a:r>
+              <a:rPr lang="en-US" dirty="0"/>
+              <a:t>     `</a:t>
+            </a:r>
+            <a:r>
+              <a:rPr lang="en-US" dirty="0" err="1"/>
+              <a:t>request_move</a:t>
+            </a:r>
+            <a:r>
+              <a:rPr lang="en-US" dirty="0"/>
+              <a:t>` -&gt; ‘move’ (dx, </a:t>
+            </a:r>
+            <a:r>
+              <a:rPr lang="en-US" dirty="0" err="1"/>
+              <a:t>dy</a:t>
+            </a:r>
+            <a:r>
+              <a:rPr lang="en-US" dirty="0"/>
+              <a:t>)</a:t>
+            </a:r>
+          </a:p>
+        </p:txBody>
+      </p:sp>
+      <p:sp>
+        <p:nvSpPr>
+          <p:cNvPr id="17" name="TextBox 16">
+            <a:extLst>
+              <a:ext uri="{FF2B5EF4-FFF2-40B4-BE49-F238E27FC236}">
+                <a16:creationId xmlns:a16="http://schemas.microsoft.com/office/drawing/2014/main" id="{0D3817A9-9E55-4C92-9BD1-4FCEB782CF7C}"/>
+              </a:ext>
+            </a:extLst>
+          </p:cNvPr>
+          <p:cNvSpPr txBox="1"/>
+          <p:nvPr/>
+        </p:nvSpPr>
+        <p:spPr>
+          <a:xfrm>
+            <a:off x="3010027" y="2196968"/>
+            <a:ext cx="1700787" cy="369332"/>
+          </a:xfrm>
+          <a:prstGeom prst="rect">
+            <a:avLst/>
+          </a:prstGeom>
+          <a:solidFill>
+            <a:schemeClr val="accent2">
+              <a:lumMod val="20000"/>
+              <a:lumOff val="80000"/>
+            </a:schemeClr>
+          </a:solidFill>
+          <a:ln>
+            <a:solidFill>
+              <a:schemeClr val="accent2">
+                <a:lumMod val="20000"/>
+                <a:lumOff val="80000"/>
+              </a:schemeClr>
+            </a:solidFill>
+          </a:ln>
+        </p:spPr>
+        <p:txBody>
+          <a:bodyPr wrap="none" rtlCol="0">
+            <a:spAutoFit/>
+          </a:bodyPr>
+          <a:lstStyle/>
+          <a:p>
+            <a:r>
+              <a:rPr lang="en-US" dirty="0" err="1"/>
+              <a:t>current_unit</a:t>
+            </a:r>
+            <a:r>
+              <a:rPr lang="en-US" dirty="0"/>
+              <a:t> = 0</a:t>
+            </a:r>
+          </a:p>
+        </p:txBody>
+      </p:sp>
+      <p:grpSp>
+        <p:nvGrpSpPr>
+          <p:cNvPr id="18" name="Group 17">
+            <a:extLst>
+              <a:ext uri="{FF2B5EF4-FFF2-40B4-BE49-F238E27FC236}">
+                <a16:creationId xmlns:a16="http://schemas.microsoft.com/office/drawing/2014/main" id="{C399F963-A405-4BD2-BBC8-B114762AAA9E}"/>
+              </a:ext>
+            </a:extLst>
+          </p:cNvPr>
+          <p:cNvGrpSpPr/>
+          <p:nvPr/>
+        </p:nvGrpSpPr>
+        <p:grpSpPr>
+          <a:xfrm>
+            <a:off x="3575377" y="4079997"/>
+            <a:ext cx="2633663" cy="369332"/>
+            <a:chOff x="7528560" y="1239758"/>
+            <a:chExt cx="2453640" cy="369332"/>
+          </a:xfrm>
+        </p:grpSpPr>
+        <p:sp>
+          <p:nvSpPr>
+            <p:cNvPr id="19" name="Rectangle 18">
+              <a:extLst>
+                <a:ext uri="{FF2B5EF4-FFF2-40B4-BE49-F238E27FC236}">
+                  <a16:creationId xmlns:a16="http://schemas.microsoft.com/office/drawing/2014/main" id="{A7280786-3479-4D05-BF78-66991CEF6925}"/>
+                </a:ext>
+              </a:extLst>
+            </p:cNvPr>
+            <p:cNvSpPr/>
+            <p:nvPr/>
+          </p:nvSpPr>
+          <p:spPr>
+            <a:xfrm>
+              <a:off x="7559040" y="1292860"/>
+              <a:ext cx="2423160" cy="285750"/>
+            </a:xfrm>
+            <a:prstGeom prst="rect">
+              <a:avLst/>
+            </a:prstGeom>
+            <a:noFill/>
+            <a:ln w="38100"/>
+          </p:spPr>
+          <p:style>
+            <a:lnRef idx="2">
+              <a:schemeClr val="accent1">
+                <a:shade val="50000"/>
+              </a:schemeClr>
+            </a:lnRef>
+            <a:fillRef idx="1">
+              <a:schemeClr val="accent1"/>
+            </a:fillRef>
+            <a:effectRef idx="0">
+              <a:schemeClr val="accent1"/>
+            </a:effectRef>
+            <a:fontRef idx="minor">
+              <a:schemeClr val="lt1"/>
+            </a:fontRef>
+          </p:style>
+          <p:txBody>
+            <a:bodyPr rtlCol="0" anchor="ctr"/>
+            <a:lstStyle/>
+            <a:p>
+              <a:pPr algn="ctr"/>
+              <a:endParaRPr lang="en-US"/>
+            </a:p>
+          </p:txBody>
+        </p:sp>
+        <p:sp>
+          <p:nvSpPr>
+            <p:cNvPr id="20" name="TextBox 19">
+              <a:extLst>
+                <a:ext uri="{FF2B5EF4-FFF2-40B4-BE49-F238E27FC236}">
+                  <a16:creationId xmlns:a16="http://schemas.microsoft.com/office/drawing/2014/main" id="{9A915776-8EED-427E-B782-FC57C5D32F00}"/>
+                </a:ext>
+              </a:extLst>
+            </p:cNvPr>
+            <p:cNvSpPr txBox="1"/>
+            <p:nvPr/>
+          </p:nvSpPr>
+          <p:spPr>
+            <a:xfrm>
+              <a:off x="7528560" y="1239758"/>
+              <a:ext cx="2039847" cy="369332"/>
+            </a:xfrm>
+            <a:prstGeom prst="rect">
+              <a:avLst/>
+            </a:prstGeom>
+            <a:noFill/>
+          </p:spPr>
+          <p:txBody>
+            <a:bodyPr wrap="none" rtlCol="0">
+              <a:spAutoFit/>
+            </a:bodyPr>
+            <a:lstStyle/>
+            <a:p>
+              <a:r>
+                <a:rPr lang="en-US" dirty="0"/>
+                <a:t>Grid Loop; </a:t>
+              </a:r>
+              <a:r>
+                <a:rPr lang="en-US" dirty="0" err="1"/>
+                <a:t>grid_point</a:t>
+              </a:r>
+              <a:endParaRPr lang="en-US" dirty="0"/>
+            </a:p>
+          </p:txBody>
+        </p:sp>
+      </p:grpSp>
+      <p:sp>
+        <p:nvSpPr>
+          <p:cNvPr id="21" name="TextBox 20">
+            <a:extLst>
+              <a:ext uri="{FF2B5EF4-FFF2-40B4-BE49-F238E27FC236}">
+                <a16:creationId xmlns:a16="http://schemas.microsoft.com/office/drawing/2014/main" id="{C475014A-8408-4D92-AA05-5B505CC96EB0}"/>
+              </a:ext>
+            </a:extLst>
+          </p:cNvPr>
+          <p:cNvSpPr txBox="1"/>
+          <p:nvPr/>
+        </p:nvSpPr>
+        <p:spPr>
+          <a:xfrm>
+            <a:off x="4185770" y="4566234"/>
+            <a:ext cx="3136756" cy="369332"/>
+          </a:xfrm>
+          <a:prstGeom prst="rect">
+            <a:avLst/>
+          </a:prstGeom>
+          <a:solidFill>
+            <a:schemeClr val="accent2">
+              <a:lumMod val="20000"/>
+              <a:lumOff val="80000"/>
+            </a:schemeClr>
+          </a:solidFill>
+          <a:ln>
+            <a:solidFill>
+              <a:schemeClr val="accent2">
+                <a:lumMod val="20000"/>
+                <a:lumOff val="80000"/>
+              </a:schemeClr>
+            </a:solidFill>
+          </a:ln>
+        </p:spPr>
+        <p:txBody>
+          <a:bodyPr wrap="none" rtlCol="0">
+            <a:spAutoFit/>
+          </a:bodyPr>
+          <a:lstStyle/>
+          <a:p>
+            <a:r>
+              <a:rPr lang="en-US" dirty="0"/>
+              <a:t>If buyer and seller at grid point:</a:t>
+            </a:r>
+          </a:p>
+        </p:txBody>
+      </p:sp>
+      <p:sp>
+        <p:nvSpPr>
+          <p:cNvPr id="22" name="TextBox 21">
+            <a:extLst>
+              <a:ext uri="{FF2B5EF4-FFF2-40B4-BE49-F238E27FC236}">
+                <a16:creationId xmlns:a16="http://schemas.microsoft.com/office/drawing/2014/main" id="{D2BE79D2-974A-4062-9341-2D7FD586180A}"/>
+              </a:ext>
+            </a:extLst>
+          </p:cNvPr>
+          <p:cNvSpPr txBox="1"/>
+          <p:nvPr/>
+        </p:nvSpPr>
+        <p:spPr>
+          <a:xfrm>
+            <a:off x="4877600" y="5138315"/>
+            <a:ext cx="4736618" cy="1477328"/>
+          </a:xfrm>
+          <a:prstGeom prst="rect">
+            <a:avLst/>
+          </a:prstGeom>
+          <a:solidFill>
+            <a:schemeClr val="accent5">
+              <a:lumMod val="20000"/>
+              <a:lumOff val="80000"/>
+            </a:schemeClr>
+          </a:solidFill>
+          <a:ln>
+            <a:solidFill>
+              <a:schemeClr val="accent2">
+                <a:lumMod val="20000"/>
+                <a:lumOff val="80000"/>
+              </a:schemeClr>
+            </a:solidFill>
+          </a:ln>
+        </p:spPr>
+        <p:txBody>
+          <a:bodyPr wrap="none" rtlCol="0">
+            <a:spAutoFit/>
+          </a:bodyPr>
+          <a:lstStyle/>
+          <a:p>
+            <a:r>
+              <a:rPr lang="en-US" u="sng" dirty="0"/>
+              <a:t>Bargain Institution</a:t>
+            </a:r>
+            <a:r>
+              <a:rPr lang="en-US" dirty="0"/>
+              <a:t> -&gt; contracts</a:t>
+            </a:r>
+            <a:endParaRPr lang="en-US" u="sng" dirty="0"/>
+          </a:p>
+          <a:p>
+            <a:r>
+              <a:rPr lang="en-US" dirty="0"/>
+              <a:t>for agent in </a:t>
+            </a:r>
+            <a:r>
+              <a:rPr lang="en-US" dirty="0" err="1"/>
+              <a:t>agent_list</a:t>
+            </a:r>
+            <a:r>
+              <a:rPr lang="en-US" dirty="0"/>
+              <a:t>:</a:t>
+            </a:r>
+          </a:p>
+          <a:p>
+            <a:r>
+              <a:rPr lang="en-US" dirty="0"/>
+              <a:t>     `</a:t>
+            </a:r>
+            <a:r>
+              <a:rPr lang="en-US" dirty="0" err="1"/>
+              <a:t>request_offer</a:t>
+            </a:r>
+            <a:r>
+              <a:rPr lang="en-US" dirty="0"/>
+              <a:t>` -&gt; bid/ask makes </a:t>
+            </a:r>
+            <a:r>
+              <a:rPr lang="en-US" dirty="0" err="1"/>
+              <a:t>order_book</a:t>
+            </a:r>
+            <a:endParaRPr lang="en-US" dirty="0"/>
+          </a:p>
+          <a:p>
+            <a:r>
+              <a:rPr lang="en-US" dirty="0"/>
+              <a:t>For agent in shuffled(</a:t>
+            </a:r>
+            <a:r>
+              <a:rPr lang="en-US" dirty="0" err="1"/>
+              <a:t>agent_list</a:t>
+            </a:r>
+            <a:r>
+              <a:rPr lang="en-US" dirty="0"/>
+              <a:t>):</a:t>
+            </a:r>
+          </a:p>
+          <a:p>
+            <a:r>
+              <a:rPr lang="en-US" dirty="0"/>
+              <a:t>      ‘</a:t>
+            </a:r>
+            <a:r>
+              <a:rPr lang="en-US" dirty="0" err="1"/>
+              <a:t>request_decision</a:t>
+            </a:r>
+            <a:r>
+              <a:rPr lang="en-US" dirty="0"/>
+              <a:t>’ -&gt; buy/sell makes contract</a:t>
+            </a:r>
+          </a:p>
+        </p:txBody>
+      </p:sp>
       <p:cxnSp>
         <p:nvCxnSpPr>
-          <p:cNvPr id="2" name="Straight Connector 1">
+          <p:cNvPr id="23" name="Straight Connector 22">
             <a:extLst>
               <a:ext uri="{FF2B5EF4-FFF2-40B4-BE49-F238E27FC236}">
-                <a16:creationId xmlns:a16="http://schemas.microsoft.com/office/drawing/2014/main" id="{987DDF53-38E3-4C36-BF04-985DEBD62AE7}"/>
+                <a16:creationId xmlns:a16="http://schemas.microsoft.com/office/drawing/2014/main" id="{61334727-311F-40AB-A328-50CA0B36EA65}"/>
               </a:ext>
             </a:extLst>
           </p:cNvPr>
@@ -16647,7 +17505,7 @@
         </p:nvCxnSpPr>
         <p:spPr>
           <a:xfrm>
-            <a:off x="1533525" y="373063"/>
+            <a:off x="1651839" y="72963"/>
             <a:ext cx="0" cy="690562"/>
           </a:xfrm>
           <a:prstGeom prst="line">
@@ -16672,10 +17530,10 @@
       </p:cxnSp>
       <p:sp>
         <p:nvSpPr>
-          <p:cNvPr id="3" name="TextBox 3">
+          <p:cNvPr id="24" name="TextBox 3">
             <a:extLst>
               <a:ext uri="{FF2B5EF4-FFF2-40B4-BE49-F238E27FC236}">
-                <a16:creationId xmlns:a16="http://schemas.microsoft.com/office/drawing/2014/main" id="{7BF7FF8C-BB99-4853-8776-54A3A1F13E97}"/>
+                <a16:creationId xmlns:a16="http://schemas.microsoft.com/office/drawing/2014/main" id="{2CC6C63A-05CE-41BA-A8EA-D3FA1614481A}"/>
               </a:ext>
             </a:extLst>
           </p:cNvPr>
@@ -16686,8 +17544,8 @@
         </p:nvSpPr>
         <p:spPr bwMode="auto">
           <a:xfrm>
-            <a:off x="1727200" y="355600"/>
-            <a:ext cx="5218736" cy="707886"/>
+            <a:off x="1845514" y="55500"/>
+            <a:ext cx="6756017" cy="707886"/>
           </a:xfrm>
           <a:prstGeom prst="rect">
             <a:avLst/>
@@ -16891,187 +17749,30 @@
             </a:pPr>
             <a:r>
               <a:rPr lang="en-US" altLang="en-US" sz="4000" dirty="0"/>
-              <a:t>Our Model (Institutions)</a:t>
-            </a:r>
-          </a:p>
-        </p:txBody>
-      </p:sp>
-      <p:sp>
-        <p:nvSpPr>
-          <p:cNvPr id="6" name="Rectangle 5">
-            <a:extLst>
-              <a:ext uri="{FF2B5EF4-FFF2-40B4-BE49-F238E27FC236}">
-                <a16:creationId xmlns:a16="http://schemas.microsoft.com/office/drawing/2014/main" id="{E44C2A7E-9256-4BFD-ACD9-27908C1ECF26}"/>
-              </a:ext>
-            </a:extLst>
-          </p:cNvPr>
-          <p:cNvSpPr/>
-          <p:nvPr/>
-        </p:nvSpPr>
-        <p:spPr>
-          <a:xfrm>
-            <a:off x="1908810" y="2125980"/>
-            <a:ext cx="2423160" cy="285750"/>
-          </a:xfrm>
-          <a:prstGeom prst="rect">
-            <a:avLst/>
-          </a:prstGeom>
-        </p:spPr>
-        <p:style>
-          <a:lnRef idx="2">
-            <a:schemeClr val="accent1">
-              <a:shade val="50000"/>
-            </a:schemeClr>
-          </a:lnRef>
-          <a:fillRef idx="1">
-            <a:schemeClr val="accent1"/>
-          </a:fillRef>
-          <a:effectRef idx="0">
-            <a:schemeClr val="accent1"/>
-          </a:effectRef>
-          <a:fontRef idx="minor">
-            <a:schemeClr val="lt1"/>
-          </a:fontRef>
-        </p:style>
-        <p:txBody>
-          <a:bodyPr rtlCol="0" anchor="ctr"/>
-          <a:lstStyle/>
-          <a:p>
-            <a:pPr algn="ctr"/>
-            <a:endParaRPr lang="en-US"/>
-          </a:p>
-        </p:txBody>
-      </p:sp>
-      <p:pic>
-        <p:nvPicPr>
-          <p:cNvPr id="5" name="Picture 4">
-            <a:extLst>
-              <a:ext uri="{FF2B5EF4-FFF2-40B4-BE49-F238E27FC236}">
-                <a16:creationId xmlns:a16="http://schemas.microsoft.com/office/drawing/2014/main" id="{823DB91C-C9BA-478C-86D9-198EC672D108}"/>
-              </a:ext>
-            </a:extLst>
-          </p:cNvPr>
-          <p:cNvPicPr>
-            <a:picLocks noChangeAspect="1"/>
-          </p:cNvPicPr>
-          <p:nvPr/>
-        </p:nvPicPr>
-        <p:blipFill>
-          <a:blip r:embed="rId2"/>
-          <a:stretch>
-            <a:fillRect/>
-          </a:stretch>
-        </p:blipFill>
-        <p:spPr>
-          <a:xfrm>
-            <a:off x="1373505" y="1534477"/>
-            <a:ext cx="7067550" cy="4657725"/>
-          </a:xfrm>
-          <a:prstGeom prst="rect">
-            <a:avLst/>
-          </a:prstGeom>
-        </p:spPr>
-      </p:pic>
-      <p:sp>
-        <p:nvSpPr>
-          <p:cNvPr id="7" name="Rectangle 6">
-            <a:extLst>
-              <a:ext uri="{FF2B5EF4-FFF2-40B4-BE49-F238E27FC236}">
-                <a16:creationId xmlns:a16="http://schemas.microsoft.com/office/drawing/2014/main" id="{F15C746B-C857-45F7-B376-569A3964FCDA}"/>
-              </a:ext>
-            </a:extLst>
-          </p:cNvPr>
-          <p:cNvSpPr/>
-          <p:nvPr/>
-        </p:nvSpPr>
-        <p:spPr>
-          <a:xfrm>
-            <a:off x="1908810" y="2125980"/>
-            <a:ext cx="2423160" cy="285750"/>
-          </a:xfrm>
-          <a:prstGeom prst="rect">
-            <a:avLst/>
-          </a:prstGeom>
-          <a:noFill/>
-          <a:ln w="38100"/>
-        </p:spPr>
-        <p:style>
-          <a:lnRef idx="2">
-            <a:schemeClr val="accent1">
-              <a:shade val="50000"/>
-            </a:schemeClr>
-          </a:lnRef>
-          <a:fillRef idx="1">
-            <a:schemeClr val="accent1"/>
-          </a:fillRef>
-          <a:effectRef idx="0">
-            <a:schemeClr val="accent1"/>
-          </a:effectRef>
-          <a:fontRef idx="minor">
-            <a:schemeClr val="lt1"/>
-          </a:fontRef>
-        </p:style>
-        <p:txBody>
-          <a:bodyPr rtlCol="0" anchor="ctr"/>
-          <a:lstStyle/>
-          <a:p>
-            <a:pPr algn="ctr"/>
-            <a:endParaRPr lang="en-US"/>
-          </a:p>
-        </p:txBody>
-      </p:sp>
-      <p:sp>
-        <p:nvSpPr>
-          <p:cNvPr id="16" name="Rectangle 15">
-            <a:extLst>
-              <a:ext uri="{FF2B5EF4-FFF2-40B4-BE49-F238E27FC236}">
-                <a16:creationId xmlns:a16="http://schemas.microsoft.com/office/drawing/2014/main" id="{D3FF95E7-88DF-4F64-9071-7B91A5BA45B9}"/>
-              </a:ext>
-            </a:extLst>
-          </p:cNvPr>
-          <p:cNvSpPr/>
-          <p:nvPr/>
-        </p:nvSpPr>
-        <p:spPr>
-          <a:xfrm>
-            <a:off x="2854311" y="3823344"/>
-            <a:ext cx="2501459" cy="285750"/>
-          </a:xfrm>
-          <a:prstGeom prst="rect">
-            <a:avLst/>
-          </a:prstGeom>
-          <a:noFill/>
-          <a:ln w="38100"/>
-        </p:spPr>
-        <p:style>
-          <a:lnRef idx="2">
-            <a:schemeClr val="accent1">
-              <a:shade val="50000"/>
-            </a:schemeClr>
-          </a:lnRef>
-          <a:fillRef idx="1">
-            <a:schemeClr val="accent1"/>
-          </a:fillRef>
-          <a:effectRef idx="0">
-            <a:schemeClr val="accent1"/>
-          </a:effectRef>
-          <a:fontRef idx="minor">
-            <a:schemeClr val="lt1"/>
-          </a:fontRef>
-        </p:style>
-        <p:txBody>
-          <a:bodyPr rtlCol="0" anchor="ctr"/>
-          <a:lstStyle/>
-          <a:p>
-            <a:pPr algn="ctr"/>
-            <a:endParaRPr lang="en-US"/>
+              <a:t>Our Model (</a:t>
+            </a:r>
+            <a:r>
+              <a:rPr lang="en-US" altLang="en-US" sz="4000" dirty="0">
+                <a:solidFill>
+                  <a:schemeClr val="accent1">
+                    <a:lumMod val="60000"/>
+                    <a:lumOff val="40000"/>
+                  </a:schemeClr>
+                </a:solidFill>
+              </a:rPr>
+              <a:t>Institutions in Blue</a:t>
+            </a:r>
+            <a:r>
+              <a:rPr lang="en-US" altLang="en-US" sz="4000" dirty="0"/>
+              <a:t>)</a:t>
+            </a:r>
           </a:p>
         </p:txBody>
       </p:sp>
     </p:spTree>
     <p:extLst>
       <p:ext uri="{BB962C8B-B14F-4D97-AF65-F5344CB8AC3E}">
-        <p14:creationId xmlns:p14="http://schemas.microsoft.com/office/powerpoint/2010/main" val="3349902268"/>
+        <p14:creationId xmlns:p14="http://schemas.microsoft.com/office/powerpoint/2010/main" val="604425381"/>
       </p:ext>
     </p:extLst>
   </p:cSld>
@@ -17182,7 +17883,7 @@
         <p:spPr bwMode="auto">
           <a:xfrm>
             <a:off x="1727200" y="355600"/>
-            <a:ext cx="9595127" cy="707886"/>
+            <a:ext cx="7068795" cy="707886"/>
           </a:xfrm>
           <a:prstGeom prst="rect">
             <a:avLst/>
@@ -17386,7 +18087,7 @@
             </a:pPr>
             <a:r>
               <a:rPr lang="en-US" altLang="en-US" sz="4000" dirty="0"/>
-              <a:t>Our Model (ZID Budget Constrained Strategy)</a:t>
+              <a:t>ZID Budget Constrained Strategy)</a:t>
             </a:r>
           </a:p>
         </p:txBody>
